--- a/5.Crypto/less math slides/Cryptology3-Symmetric-Encryption.pptx
+++ b/5.Crypto/less math slides/Cryptology3-Symmetric-Encryption.pptx
@@ -216,7 +216,7 @@
           <a:p>
             <a:fld id="{C4B58AF0-7A07-4D33-944C-AC867B70A9B3}" type="datetimeFigureOut">
               <a:rPr lang="en-US" smtClean="0"/>
-              <a:t>2/7/2020</a:t>
+              <a:t>8/19/2020</a:t>
             </a:fld>
             <a:endParaRPr lang="en-US"/>
           </a:p>
@@ -628,12 +628,7 @@
             <p:ph type="sldImg"/>
           </p:nvPr>
         </p:nvSpPr>
-        <p:spPr>
-          <a:xfrm>
-            <a:off x="641350" y="1143000"/>
-            <a:ext cx="5486400" cy="3086100"/>
-          </a:xfrm>
-        </p:spPr>
+        <p:spPr/>
       </p:sp>
       <p:sp>
         <p:nvSpPr>
@@ -652,7 +647,7 @@
           <a:p>
             <a:r>
               <a:rPr lang="en-US" dirty="0"/>
-              <a:t>“Cryptography Engineering” by Ferguson, Schneier, and Kohno recommends CBC over CTR because IV/nonce generation is difficult.  A not so random nonce or IV has a larger effect on CTR.</a:t>
+              <a:t>ECB is not recommended, since identical plaintext blocks produce the same ciphertext.  It is nice for simple examples since you don’t have to worry about initialization vectors or nonces, but not good in practice.  It has no method for injecting randomness.  A one block (128 bits or 16 bytes) message will always be encrypted the same way, if the key is the same.</a:t>
             </a:r>
           </a:p>
           <a:p>
@@ -661,7 +656,23 @@
           <a:p>
             <a:r>
               <a:rPr lang="en-US" dirty="0"/>
-              <a:t>Counter Mode (CTR) encrypts a random nonce combined with a counter (the counter often starts at 0), and then XORs the result with the plaintext to get the ciphertext.  For each subsequent block, the counter is incremented.  This gives the encryption a random start and ensures that each block is encrypted differently.</a:t>
+              <a:t>In Cipher Block Chaining (CBC) the ciphertext from the previous block is </a:t>
+            </a:r>
+            <a:r>
+              <a:rPr lang="en-US" dirty="0" err="1"/>
+              <a:t>XOR’d</a:t>
+            </a:r>
+            <a:r>
+              <a:rPr lang="en-US" dirty="0"/>
+              <a:t> with the plaintext for the current block.  However, the first block of plaintext does not have a previous block to XOR, so it is </a:t>
+            </a:r>
+            <a:r>
+              <a:rPr lang="en-US" dirty="0" err="1"/>
+              <a:t>XOR’d</a:t>
+            </a:r>
+            <a:r>
+              <a:rPr lang="en-US" dirty="0"/>
+              <a:t> with a random Initialization Vector (IV).  The IV must be sent along with the ciphertext so the decryption algorithm knows where to start.  The IV itself does not need to be encrypted.</a:t>
             </a:r>
           </a:p>
           <a:p>
@@ -670,44 +681,8 @@
           <a:p>
             <a:r>
               <a:rPr lang="en-US" dirty="0"/>
-              <a:t>The Galois Counter Mode (GCM) has an added benefit, in that computation of a Message Authentication Code (MAC) is built in.  With CBC and CTR code has to be added to include a MAC.  Remember the problems that WEP had because it did not include a method to detect an attacker submitting tampered data?</a:t>
-            </a:r>
-          </a:p>
-          <a:p>
-            <a:endParaRPr lang="en-US" dirty="0"/>
-          </a:p>
-          <a:p>
-            <a:r>
-              <a:rPr lang="en-US" dirty="0"/>
-              <a:t>Note:  The ‘Galois’ in GCM comes from mathematical operations in a Galois Extended Field.  The addition and multiplication operations are redefined.  If you enjoy math, you can read more in </a:t>
-            </a:r>
-            <a:r>
-              <a:rPr lang="en-US" dirty="0" err="1"/>
-              <a:t>Paar</a:t>
-            </a:r>
-            <a:r>
-              <a:rPr lang="en-US" dirty="0"/>
-              <a:t>, </a:t>
-            </a:r>
-            <a:r>
-              <a:rPr lang="en-US" dirty="0" err="1"/>
-              <a:t>pg</a:t>
-            </a:r>
-            <a:r>
-              <a:rPr lang="en-US" dirty="0"/>
-              <a:t> 90 and </a:t>
-            </a:r>
-            <a:r>
-              <a:rPr lang="en-US" dirty="0" err="1"/>
-              <a:t>pg</a:t>
-            </a:r>
-            <a:r>
-              <a:rPr lang="en-US" dirty="0"/>
-              <a:t> 134.</a:t>
-            </a:r>
-          </a:p>
-          <a:p>
-            <a:endParaRPr lang="en-US" dirty="0"/>
+              <a:t>The IV must be random and cannot be reused.</a:t>
+            </a:r>
           </a:p>
         </p:txBody>
       </p:sp>
@@ -718,7 +693,7 @@
             <a:spLocks noGrp="1"/>
           </p:cNvSpPr>
           <p:nvPr>
-            <p:ph type="sldNum" sz="quarter" idx="5"/>
+            <p:ph type="sldNum" sz="quarter" idx="10"/>
           </p:nvPr>
         </p:nvSpPr>
         <p:spPr/>
@@ -728,7 +703,7 @@
           <a:p>
             <a:fld id="{85D50D95-FF5E-46BA-A479-363D9D0AA384}" type="slidenum">
               <a:rPr lang="en-US" smtClean="0"/>
-              <a:t>11</a:t>
+              <a:t>10</a:t>
             </a:fld>
             <a:endParaRPr lang="en-US"/>
           </a:p>
@@ -737,7 +712,7 @@
     </p:spTree>
     <p:extLst>
       <p:ext uri="{BB962C8B-B14F-4D97-AF65-F5344CB8AC3E}">
-        <p14:creationId xmlns:p14="http://schemas.microsoft.com/office/powerpoint/2010/main" val="1028141794"/>
+        <p14:creationId xmlns:p14="http://schemas.microsoft.com/office/powerpoint/2010/main" val="353367949"/>
       </p:ext>
     </p:extLst>
   </p:cSld>
@@ -774,36 +749,31 @@
             <p:ph type="sldImg"/>
           </p:nvPr>
         </p:nvSpPr>
+        <p:spPr>
+          <a:xfrm>
+            <a:off x="641350" y="1143000"/>
+            <a:ext cx="5486400" cy="3086100"/>
+          </a:xfrm>
+        </p:spPr>
+      </p:sp>
+      <p:sp>
+        <p:nvSpPr>
+          <p:cNvPr id="3" name="Notes Placeholder 2"/>
+          <p:cNvSpPr>
+            <a:spLocks noGrp="1"/>
+          </p:cNvSpPr>
+          <p:nvPr>
+            <p:ph type="body" idx="1"/>
+          </p:nvPr>
+        </p:nvSpPr>
         <p:spPr/>
-      </p:sp>
-      <p:sp>
-        <p:nvSpPr>
-          <p:cNvPr id="3" name="Notes Placeholder 2"/>
-          <p:cNvSpPr>
-            <a:spLocks noGrp="1"/>
-          </p:cNvSpPr>
-          <p:nvPr>
-            <p:ph type="body" idx="1"/>
-          </p:nvPr>
-        </p:nvSpPr>
-        <p:spPr/>
         <p:txBody>
           <a:bodyPr/>
           <a:lstStyle/>
           <a:p>
             <a:r>
               <a:rPr lang="en-US" dirty="0"/>
-              <a:t>For more information on AEAD, see </a:t>
-            </a:r>
-            <a:r>
-              <a:rPr lang="en-US" dirty="0">
-                <a:hlinkClick r:id="rId3"/>
-              </a:rPr>
-              <a:t>https://en.wikipedia.org/wiki/Authenticated_encryption</a:t>
-            </a:r>
-            <a:r>
-              <a:rPr lang="en-US" dirty="0"/>
-              <a:t> </a:t>
+              <a:t>“Cryptography Engineering” by Ferguson, Schneier, and Kohno recommends CBC over CTR because IV/nonce generation is difficult.  A not so random nonce or IV has a larger effect on CTR.</a:t>
             </a:r>
           </a:p>
           <a:p>
@@ -812,19 +782,7 @@
           <a:p>
             <a:r>
               <a:rPr lang="en-US" dirty="0"/>
-              <a:t>Some of the PyCryptodome modes that include a MAC are GCM, CCM, EAX, and SIV</a:t>
-            </a:r>
-          </a:p>
-          <a:p>
-            <a:r>
-              <a:rPr lang="en-US" dirty="0">
-                <a:hlinkClick r:id="rId4"/>
-              </a:rPr>
-              <a:t>https://pycryptodome.readthedocs.io/en/latest/src/cipher/modern.html</a:t>
-            </a:r>
-            <a:r>
-              <a:rPr lang="en-US" dirty="0"/>
-              <a:t> </a:t>
+              <a:t>Counter Mode (CTR) encrypts a random nonce combined with a counter (the counter often starts at 0), and then XORs the result with the plaintext to get the ciphertext.  For each subsequent block, the counter is incremented.  This gives the encryption a random start and ensures that each block is encrypted differently.</a:t>
             </a:r>
           </a:p>
           <a:p>
@@ -833,58 +791,40 @@
           <a:p>
             <a:r>
               <a:rPr lang="en-US" dirty="0"/>
-              <a:t>Some of the pycryptodome modes that do not include a MAC are ECB, CBC, CTR</a:t>
-            </a:r>
-          </a:p>
-          <a:p>
-            <a:r>
-              <a:rPr lang="en-US" dirty="0">
-                <a:hlinkClick r:id="rId5"/>
-              </a:rPr>
-              <a:t>https://pycryptodome.readthedocs.io/en/latest/src/cipher/classic.html</a:t>
-            </a:r>
+              <a:t>The Galois Counter Mode (GCM) has an added benefit, in that computation of a Message Authentication Code (MAC) is built in.  With CBC and CTR code must be added to include a MAC.  Remember the problems that WEP had because it did not include a method to detect an attacker submitting tampered data?</a:t>
+            </a:r>
+          </a:p>
+          <a:p>
             <a:endParaRPr lang="en-US" dirty="0"/>
           </a:p>
           <a:p>
-            <a:endParaRPr lang="en-US" dirty="0"/>
-          </a:p>
-          <a:p>
-            <a:r>
-              <a:rPr lang="en-US" dirty="0"/>
-              <a:t>There are many more block cipher modes than the ones discussed here.</a:t>
-            </a:r>
-          </a:p>
-          <a:p>
-            <a:endParaRPr lang="en-US" dirty="0"/>
-          </a:p>
-          <a:p>
-            <a:r>
-              <a:rPr lang="en-US" dirty="0"/>
-              <a:t>For more information on block cipher modes, see</a:t>
-            </a:r>
-          </a:p>
-          <a:p>
-            <a:r>
-              <a:rPr lang="en-US" dirty="0">
-                <a:hlinkClick r:id="rId6"/>
-              </a:rPr>
-              <a:t>https://en.wikipedia.org/wiki/Block_cipher_mode_of_operation</a:t>
-            </a:r>
-            <a:r>
-              <a:rPr lang="en-US" dirty="0"/>
-              <a:t> </a:t>
-            </a:r>
-          </a:p>
-          <a:p>
-            <a:r>
-              <a:rPr lang="en-US" dirty="0">
-                <a:hlinkClick r:id="rId7"/>
-              </a:rPr>
-              <a:t>https://pycryptodome.readthedocs.io/en/latest/src/cipher/aes.html</a:t>
-            </a:r>
-            <a:r>
-              <a:rPr lang="en-US" dirty="0"/>
-              <a:t> </a:t>
+            <a:r>
+              <a:rPr lang="en-US" dirty="0"/>
+              <a:t>Note:  The ‘Galois’ in GCM comes from mathematical operations in a Galois Extended Field.  The addition and multiplication operations are redefined.  If you enjoy math, you can read more in </a:t>
+            </a:r>
+            <a:r>
+              <a:rPr lang="en-US" dirty="0" err="1"/>
+              <a:t>Paar</a:t>
+            </a:r>
+            <a:r>
+              <a:rPr lang="en-US" dirty="0"/>
+              <a:t>, </a:t>
+            </a:r>
+            <a:r>
+              <a:rPr lang="en-US" dirty="0" err="1"/>
+              <a:t>pg</a:t>
+            </a:r>
+            <a:r>
+              <a:rPr lang="en-US" dirty="0"/>
+              <a:t> 90 and </a:t>
+            </a:r>
+            <a:r>
+              <a:rPr lang="en-US" dirty="0" err="1"/>
+              <a:t>pg</a:t>
+            </a:r>
+            <a:r>
+              <a:rPr lang="en-US" dirty="0"/>
+              <a:t> 134.</a:t>
             </a:r>
           </a:p>
           <a:p>
@@ -909,7 +849,7 @@
           <a:p>
             <a:fld id="{85D50D95-FF5E-46BA-A479-363D9D0AA384}" type="slidenum">
               <a:rPr lang="en-US" smtClean="0"/>
-              <a:t>12</a:t>
+              <a:t>11</a:t>
             </a:fld>
             <a:endParaRPr lang="en-US"/>
           </a:p>
@@ -918,7 +858,7 @@
     </p:spTree>
     <p:extLst>
       <p:ext uri="{BB962C8B-B14F-4D97-AF65-F5344CB8AC3E}">
-        <p14:creationId xmlns:p14="http://schemas.microsoft.com/office/powerpoint/2010/main" val="74825731"/>
+        <p14:creationId xmlns:p14="http://schemas.microsoft.com/office/powerpoint/2010/main" val="1028141794"/>
       </p:ext>
     </p:extLst>
   </p:cSld>
@@ -974,7 +914,188 @@
           <a:p>
             <a:r>
               <a:rPr lang="en-US" dirty="0"/>
-              <a:t>The term nonlinear means the same thing as it does in your standard math classes.  The equation y = mx + b is linear, and is easier to solve than a nonlinear equation like y = x</a:t>
+              <a:t>For more information on AEAD, see </a:t>
+            </a:r>
+            <a:r>
+              <a:rPr lang="en-US" dirty="0">
+                <a:hlinkClick r:id="rId3"/>
+              </a:rPr>
+              <a:t>https://en.wikipedia.org/wiki/Authenticated_encryption</a:t>
+            </a:r>
+            <a:r>
+              <a:rPr lang="en-US" dirty="0"/>
+              <a:t> </a:t>
+            </a:r>
+          </a:p>
+          <a:p>
+            <a:endParaRPr lang="en-US" dirty="0"/>
+          </a:p>
+          <a:p>
+            <a:r>
+              <a:rPr lang="en-US" dirty="0"/>
+              <a:t>Some of the PyCryptodome modes that include a MAC are GCM, CCM, EAX, and SIV</a:t>
+            </a:r>
+          </a:p>
+          <a:p>
+            <a:r>
+              <a:rPr lang="en-US" dirty="0">
+                <a:hlinkClick r:id="rId4"/>
+              </a:rPr>
+              <a:t>https://pycryptodome.readthedocs.io/en/latest/src/cipher/modern.html</a:t>
+            </a:r>
+            <a:r>
+              <a:rPr lang="en-US" dirty="0"/>
+              <a:t> </a:t>
+            </a:r>
+          </a:p>
+          <a:p>
+            <a:endParaRPr lang="en-US" dirty="0"/>
+          </a:p>
+          <a:p>
+            <a:r>
+              <a:rPr lang="en-US" dirty="0"/>
+              <a:t>Some of the pycryptodome modes that do not include a MAC are ECB, CBC, CTR</a:t>
+            </a:r>
+          </a:p>
+          <a:p>
+            <a:r>
+              <a:rPr lang="en-US" dirty="0">
+                <a:hlinkClick r:id="rId5"/>
+              </a:rPr>
+              <a:t>https://pycryptodome.readthedocs.io/en/latest/src/cipher/classic.html</a:t>
+            </a:r>
+            <a:endParaRPr lang="en-US" dirty="0"/>
+          </a:p>
+          <a:p>
+            <a:endParaRPr lang="en-US" dirty="0"/>
+          </a:p>
+          <a:p>
+            <a:r>
+              <a:rPr lang="en-US" dirty="0"/>
+              <a:t>There are many more block cipher modes than the ones discussed here.</a:t>
+            </a:r>
+          </a:p>
+          <a:p>
+            <a:endParaRPr lang="en-US" dirty="0"/>
+          </a:p>
+          <a:p>
+            <a:r>
+              <a:rPr lang="en-US" dirty="0"/>
+              <a:t>For more information on block cipher modes, see</a:t>
+            </a:r>
+          </a:p>
+          <a:p>
+            <a:r>
+              <a:rPr lang="en-US" dirty="0">
+                <a:hlinkClick r:id="rId6"/>
+              </a:rPr>
+              <a:t>https://en.wikipedia.org/wiki/Block_cipher_mode_of_operation</a:t>
+            </a:r>
+            <a:r>
+              <a:rPr lang="en-US" dirty="0"/>
+              <a:t> </a:t>
+            </a:r>
+          </a:p>
+          <a:p>
+            <a:r>
+              <a:rPr lang="en-US" dirty="0">
+                <a:hlinkClick r:id="rId7"/>
+              </a:rPr>
+              <a:t>https://pycryptodome.readthedocs.io/en/latest/src/cipher/aes.html</a:t>
+            </a:r>
+            <a:r>
+              <a:rPr lang="en-US" dirty="0"/>
+              <a:t> </a:t>
+            </a:r>
+          </a:p>
+          <a:p>
+            <a:endParaRPr lang="en-US" dirty="0"/>
+          </a:p>
+        </p:txBody>
+      </p:sp>
+      <p:sp>
+        <p:nvSpPr>
+          <p:cNvPr id="4" name="Slide Number Placeholder 3"/>
+          <p:cNvSpPr>
+            <a:spLocks noGrp="1"/>
+          </p:cNvSpPr>
+          <p:nvPr>
+            <p:ph type="sldNum" sz="quarter" idx="5"/>
+          </p:nvPr>
+        </p:nvSpPr>
+        <p:spPr/>
+        <p:txBody>
+          <a:bodyPr/>
+          <a:lstStyle/>
+          <a:p>
+            <a:fld id="{85D50D95-FF5E-46BA-A479-363D9D0AA384}" type="slidenum">
+              <a:rPr lang="en-US" smtClean="0"/>
+              <a:t>12</a:t>
+            </a:fld>
+            <a:endParaRPr lang="en-US"/>
+          </a:p>
+        </p:txBody>
+      </p:sp>
+    </p:spTree>
+    <p:extLst>
+      <p:ext uri="{BB962C8B-B14F-4D97-AF65-F5344CB8AC3E}">
+        <p14:creationId xmlns:p14="http://schemas.microsoft.com/office/powerpoint/2010/main" val="74825731"/>
+      </p:ext>
+    </p:extLst>
+  </p:cSld>
+  <p:clrMapOvr>
+    <a:masterClrMapping/>
+  </p:clrMapOvr>
+</p:notes>
+</file>
+
+<file path=ppt/notesSlides/notesSlide13.xml><?xml version="1.0" encoding="utf-8"?>
+<p:notes xmlns:a="http://schemas.openxmlformats.org/drawingml/2006/main" xmlns:r="http://schemas.openxmlformats.org/officeDocument/2006/relationships" xmlns:p="http://schemas.openxmlformats.org/presentationml/2006/main">
+  <p:cSld>
+    <p:spTree>
+      <p:nvGrpSpPr>
+        <p:cNvPr id="1" name=""/>
+        <p:cNvGrpSpPr/>
+        <p:nvPr/>
+      </p:nvGrpSpPr>
+      <p:grpSpPr>
+        <a:xfrm>
+          <a:off x="0" y="0"/>
+          <a:ext cx="0" cy="0"/>
+          <a:chOff x="0" y="0"/>
+          <a:chExt cx="0" cy="0"/>
+        </a:xfrm>
+      </p:grpSpPr>
+      <p:sp>
+        <p:nvSpPr>
+          <p:cNvPr id="2" name="Slide Image Placeholder 1"/>
+          <p:cNvSpPr>
+            <a:spLocks noGrp="1" noRot="1" noChangeAspect="1"/>
+          </p:cNvSpPr>
+          <p:nvPr>
+            <p:ph type="sldImg"/>
+          </p:nvPr>
+        </p:nvSpPr>
+        <p:spPr/>
+      </p:sp>
+      <p:sp>
+        <p:nvSpPr>
+          <p:cNvPr id="3" name="Notes Placeholder 2"/>
+          <p:cNvSpPr>
+            <a:spLocks noGrp="1"/>
+          </p:cNvSpPr>
+          <p:nvPr>
+            <p:ph type="body" idx="1"/>
+          </p:nvPr>
+        </p:nvSpPr>
+        <p:spPr/>
+        <p:txBody>
+          <a:bodyPr/>
+          <a:lstStyle/>
+          <a:p>
+            <a:r>
+              <a:rPr lang="en-US" dirty="0"/>
+              <a:t>The term nonlinear means the same thing as it does in your standard math classes.  The equation y = mx + b is linear and is easier to solve than a nonlinear equation like y = x</a:t>
             </a:r>
             <a:r>
               <a:rPr lang="en-US" baseline="30000" dirty="0"/>
@@ -1129,7 +1250,7 @@
 </p:notes>
 </file>
 
-<file path=ppt/notesSlides/notesSlide13.xml><?xml version="1.0" encoding="utf-8"?>
+<file path=ppt/notesSlides/notesSlide14.xml><?xml version="1.0" encoding="utf-8"?>
 <p:notes xmlns:a="http://schemas.openxmlformats.org/drawingml/2006/main" xmlns:r="http://schemas.openxmlformats.org/officeDocument/2006/relationships" xmlns:p="http://schemas.openxmlformats.org/presentationml/2006/main">
   <p:cSld>
     <p:spTree>
@@ -2544,118 +2665,6 @@
 </p:notes>
 </file>
 
-<file path=ppt/notesSlides/notesSlide14.xml><?xml version="1.0" encoding="utf-8"?>
-<p:notes xmlns:a="http://schemas.openxmlformats.org/drawingml/2006/main" xmlns:r="http://schemas.openxmlformats.org/officeDocument/2006/relationships" xmlns:p="http://schemas.openxmlformats.org/presentationml/2006/main">
-  <p:cSld>
-    <p:spTree>
-      <p:nvGrpSpPr>
-        <p:cNvPr id="1" name=""/>
-        <p:cNvGrpSpPr/>
-        <p:nvPr/>
-      </p:nvGrpSpPr>
-      <p:grpSpPr>
-        <a:xfrm>
-          <a:off x="0" y="0"/>
-          <a:ext cx="0" cy="0"/>
-          <a:chOff x="0" y="0"/>
-          <a:chExt cx="0" cy="0"/>
-        </a:xfrm>
-      </p:grpSpPr>
-      <p:sp>
-        <p:nvSpPr>
-          <p:cNvPr id="2" name="Slide Image Placeholder 1"/>
-          <p:cNvSpPr>
-            <a:spLocks noGrp="1" noRot="1" noChangeAspect="1"/>
-          </p:cNvSpPr>
-          <p:nvPr>
-            <p:ph type="sldImg"/>
-          </p:nvPr>
-        </p:nvSpPr>
-        <p:spPr/>
-      </p:sp>
-      <p:sp>
-        <p:nvSpPr>
-          <p:cNvPr id="3" name="Notes Placeholder 2"/>
-          <p:cNvSpPr>
-            <a:spLocks noGrp="1"/>
-          </p:cNvSpPr>
-          <p:nvPr>
-            <p:ph type="body" idx="1"/>
-          </p:nvPr>
-        </p:nvSpPr>
-        <p:spPr/>
-        <p:txBody>
-          <a:bodyPr/>
-          <a:lstStyle/>
-          <a:p>
-            <a:r>
-              <a:rPr lang="en-US" dirty="0"/>
-              <a:t>The complicated math (Extended Galois Fields) is used to create the S-box lookup tables, and the S-boxes are coded into the algorithm.  For more information about Extended Galois Fields, see </a:t>
-            </a:r>
-            <a:r>
-              <a:rPr lang="en-US" dirty="0" err="1"/>
-              <a:t>Paar</a:t>
-            </a:r>
-            <a:r>
-              <a:rPr lang="en-US" dirty="0"/>
-              <a:t> </a:t>
-            </a:r>
-            <a:r>
-              <a:rPr lang="en-US" dirty="0" err="1"/>
-              <a:t>pg</a:t>
-            </a:r>
-            <a:r>
-              <a:rPr lang="en-US" dirty="0"/>
-              <a:t> 93.</a:t>
-            </a:r>
-          </a:p>
-          <a:p>
-            <a:endParaRPr lang="en-US" dirty="0"/>
-          </a:p>
-          <a:p>
-            <a:r>
-              <a:rPr lang="en-US" dirty="0"/>
-              <a:t>In software implementations of AES, the S-box is constructed ahead of time, and it is incorporated into the algorithm as a lookup table.</a:t>
-            </a:r>
-          </a:p>
-        </p:txBody>
-      </p:sp>
-      <p:sp>
-        <p:nvSpPr>
-          <p:cNvPr id="4" name="Slide Number Placeholder 3"/>
-          <p:cNvSpPr>
-            <a:spLocks noGrp="1"/>
-          </p:cNvSpPr>
-          <p:nvPr>
-            <p:ph type="sldNum" sz="quarter" idx="10"/>
-          </p:nvPr>
-        </p:nvSpPr>
-        <p:spPr/>
-        <p:txBody>
-          <a:bodyPr/>
-          <a:lstStyle/>
-          <a:p>
-            <a:fld id="{85D50D95-FF5E-46BA-A479-363D9D0AA384}" type="slidenum">
-              <a:rPr lang="en-US" smtClean="0"/>
-              <a:t>15</a:t>
-            </a:fld>
-            <a:endParaRPr lang="en-US"/>
-          </a:p>
-        </p:txBody>
-      </p:sp>
-    </p:spTree>
-    <p:extLst>
-      <p:ext uri="{BB962C8B-B14F-4D97-AF65-F5344CB8AC3E}">
-        <p14:creationId xmlns:p14="http://schemas.microsoft.com/office/powerpoint/2010/main" val="922161577"/>
-      </p:ext>
-    </p:extLst>
-  </p:cSld>
-  <p:clrMapOvr>
-    <a:masterClrMapping/>
-  </p:clrMapOvr>
-</p:notes>
-</file>
-
 <file path=ppt/notesSlides/notesSlide15.xml><?xml version="1.0" encoding="utf-8"?>
 <p:notes xmlns:a="http://schemas.openxmlformats.org/drawingml/2006/main" xmlns:r="http://schemas.openxmlformats.org/officeDocument/2006/relationships" xmlns:p="http://schemas.openxmlformats.org/presentationml/2006/main">
   <p:cSld>
@@ -2702,7 +2711,32 @@
           <a:p>
             <a:r>
               <a:rPr lang="en-US" dirty="0"/>
-              <a:t>The AES algorithm is designed around bytes, and therefore is most efficient on 8-bit computers.  It is not as efficient on 32 and 64 bit computers.  Often, algorithms for those computers reduce the entire round (except for Add-key) to a lookup table.</a:t>
+              <a:t>The complicated math (Extended Galois Fields) is used to create the S-box lookup tables, and the S-boxes are coded into the algorithm.  For more information about Extended Galois Fields, see </a:t>
+            </a:r>
+            <a:r>
+              <a:rPr lang="en-US" dirty="0" err="1"/>
+              <a:t>Paar</a:t>
+            </a:r>
+            <a:r>
+              <a:rPr lang="en-US" dirty="0"/>
+              <a:t> </a:t>
+            </a:r>
+            <a:r>
+              <a:rPr lang="en-US" dirty="0" err="1"/>
+              <a:t>pg</a:t>
+            </a:r>
+            <a:r>
+              <a:rPr lang="en-US" dirty="0"/>
+              <a:t> 93.</a:t>
+            </a:r>
+          </a:p>
+          <a:p>
+            <a:endParaRPr lang="en-US" dirty="0"/>
+          </a:p>
+          <a:p>
+            <a:r>
+              <a:rPr lang="en-US" dirty="0"/>
+              <a:t>In software implementations of AES, the S-box is constructed ahead of time, and it is incorporated into the algorithm as a lookup table.</a:t>
             </a:r>
           </a:p>
         </p:txBody>
@@ -2724,7 +2758,7 @@
           <a:p>
             <a:fld id="{85D50D95-FF5E-46BA-A479-363D9D0AA384}" type="slidenum">
               <a:rPr lang="en-US" smtClean="0"/>
-              <a:t>16</a:t>
+              <a:t>15</a:t>
             </a:fld>
             <a:endParaRPr lang="en-US"/>
           </a:p>
@@ -2733,7 +2767,7 @@
     </p:spTree>
     <p:extLst>
       <p:ext uri="{BB962C8B-B14F-4D97-AF65-F5344CB8AC3E}">
-        <p14:creationId xmlns:p14="http://schemas.microsoft.com/office/powerpoint/2010/main" val="1578624851"/>
+        <p14:creationId xmlns:p14="http://schemas.microsoft.com/office/powerpoint/2010/main" val="922161577"/>
       </p:ext>
     </p:extLst>
   </p:cSld>
@@ -2787,7 +2821,106 @@
           <a:bodyPr/>
           <a:lstStyle/>
           <a:p>
+            <a:r>
+              <a:rPr lang="en-US" dirty="0"/>
+              <a:t>The Substitution block, or S-box is just a lookup table.  A lot of math goes into computing the values in the table, but the table does not change.  Therefore developers hard code the S-box and do not have to worry about the math behind it.</a:t>
+            </a:r>
+          </a:p>
+          <a:p>
+            <a:endParaRPr lang="en-US" dirty="0"/>
+          </a:p>
+          <a:p>
+            <a:r>
+              <a:rPr lang="en-US" dirty="0"/>
+              <a:t>The AES algorithm is designed around bytes, and therefore is most efficient on 8-bit computers.  It is not as efficient on 32 and 64 bit computers.  Often, algorithms for those computers reduce the entire round (except for Add-key) to a lookup table.</a:t>
+            </a:r>
+          </a:p>
+        </p:txBody>
+      </p:sp>
+      <p:sp>
+        <p:nvSpPr>
+          <p:cNvPr id="4" name="Slide Number Placeholder 3"/>
+          <p:cNvSpPr>
+            <a:spLocks noGrp="1"/>
+          </p:cNvSpPr>
+          <p:nvPr>
+            <p:ph type="sldNum" sz="quarter" idx="10"/>
+          </p:nvPr>
+        </p:nvSpPr>
+        <p:spPr/>
+        <p:txBody>
+          <a:bodyPr/>
+          <a:lstStyle/>
+          <a:p>
+            <a:fld id="{85D50D95-FF5E-46BA-A479-363D9D0AA384}" type="slidenum">
+              <a:rPr lang="en-US" smtClean="0"/>
+              <a:t>16</a:t>
+            </a:fld>
             <a:endParaRPr lang="en-US"/>
+          </a:p>
+        </p:txBody>
+      </p:sp>
+    </p:spTree>
+    <p:extLst>
+      <p:ext uri="{BB962C8B-B14F-4D97-AF65-F5344CB8AC3E}">
+        <p14:creationId xmlns:p14="http://schemas.microsoft.com/office/powerpoint/2010/main" val="1578624851"/>
+      </p:ext>
+    </p:extLst>
+  </p:cSld>
+  <p:clrMapOvr>
+    <a:masterClrMapping/>
+  </p:clrMapOvr>
+</p:notes>
+</file>
+
+<file path=ppt/notesSlides/notesSlide17.xml><?xml version="1.0" encoding="utf-8"?>
+<p:notes xmlns:a="http://schemas.openxmlformats.org/drawingml/2006/main" xmlns:r="http://schemas.openxmlformats.org/officeDocument/2006/relationships" xmlns:p="http://schemas.openxmlformats.org/presentationml/2006/main">
+  <p:cSld>
+    <p:spTree>
+      <p:nvGrpSpPr>
+        <p:cNvPr id="1" name=""/>
+        <p:cNvGrpSpPr/>
+        <p:nvPr/>
+      </p:nvGrpSpPr>
+      <p:grpSpPr>
+        <a:xfrm>
+          <a:off x="0" y="0"/>
+          <a:ext cx="0" cy="0"/>
+          <a:chOff x="0" y="0"/>
+          <a:chExt cx="0" cy="0"/>
+        </a:xfrm>
+      </p:grpSpPr>
+      <p:sp>
+        <p:nvSpPr>
+          <p:cNvPr id="2" name="Slide Image Placeholder 1"/>
+          <p:cNvSpPr>
+            <a:spLocks noGrp="1" noRot="1" noChangeAspect="1"/>
+          </p:cNvSpPr>
+          <p:nvPr>
+            <p:ph type="sldImg"/>
+          </p:nvPr>
+        </p:nvSpPr>
+        <p:spPr/>
+      </p:sp>
+      <p:sp>
+        <p:nvSpPr>
+          <p:cNvPr id="3" name="Notes Placeholder 2"/>
+          <p:cNvSpPr>
+            <a:spLocks noGrp="1"/>
+          </p:cNvSpPr>
+          <p:nvPr>
+            <p:ph type="body" idx="1"/>
+          </p:nvPr>
+        </p:nvSpPr>
+        <p:spPr/>
+        <p:txBody>
+          <a:bodyPr/>
+          <a:lstStyle/>
+          <a:p>
+            <a:r>
+              <a:rPr lang="en-US" dirty="0"/>
+              <a:t>I feel obligated to include an XKCD cartoon in every cryptography lesson.  In this one, he is just babbling and has been justly excluded from cryptography conferences ;-)</a:t>
+            </a:r>
           </a:p>
         </p:txBody>
       </p:sp>
@@ -3083,7 +3216,7 @@
           <a:p>
             <a:r>
               <a:rPr lang="en-US" dirty="0"/>
-              <a:t>DES has been broken.  The algorithm is fine, but the key size is small enough (56 bits) that modern computers can use brute force attacks against it.  It was broken by distributed computing in 1999, and can be broken on a decent PC today. </a:t>
+              <a:t>DES has been broken.  The algorithm is fine, but the key size is small enough (56 bits) that modern computers can use brute force attacks against it.  It was broken by distributed computing in 1999 and can be broken on a decent PC today. </a:t>
             </a:r>
             <a:r>
               <a:rPr lang="en-US" dirty="0">
@@ -3129,9 +3262,6 @@
               <a:rPr lang="en-US" dirty="0"/>
               <a:t>The effective key length for 3DES is 112 bits instead of 128 bits, due to the “meet in the middle attack.”  The attacker can break one round of 56 bits by attacking the left side, and the other two rounds of 56 bits (112) by attacking the right side.  They keep doing this until the left and right match, which is much faster than trying to break 128 bits.</a:t>
             </a:r>
-          </a:p>
-          <a:p>
-            <a:endParaRPr lang="en-US" dirty="0"/>
           </a:p>
           <a:p>
             <a:r>
@@ -3353,7 +3483,7 @@
           <a:p>
             <a:r>
               <a:rPr lang="en-US" dirty="0"/>
-              <a:t>It is important to note that the key is manipulated so that each round has a different key.  The process of determining the key for a given round is separate from the processing of the message data itself.  Usually key processing is done in parallel with the message processing, and uses its own algorithm or key schedule.</a:t>
+              <a:t>It is important to note that the key is manipulated so that each round has a different key.  The process of determining the key for a given round is separate from the processing of the message data itself.  Usually key processing is done in parallel with the message processing and uses its own algorithm or key schedule.</a:t>
             </a:r>
           </a:p>
           <a:p>
@@ -3754,44 +3884,7 @@
           <a:bodyPr/>
           <a:lstStyle/>
           <a:p>
-            <a:r>
-              <a:rPr lang="en-US" dirty="0"/>
-              <a:t>ECB is not recommended, since identical plaintext blocks produce the same ciphertext.  It is nice for simple examples since you don’t have to worry about initialization vectors or nonces, but not good in practice.  It has no method for injecting randomness.  A one block (128 bits or 16 bytes) message will always be encrypted the same way, if the key is the same.</a:t>
-            </a:r>
-          </a:p>
-          <a:p>
-            <a:endParaRPr lang="en-US" dirty="0"/>
-          </a:p>
-          <a:p>
-            <a:r>
-              <a:rPr lang="en-US" dirty="0"/>
-              <a:t>In Cipher Block Chaining (CBC) the ciphertext from the previous block is </a:t>
-            </a:r>
-            <a:r>
-              <a:rPr lang="en-US" dirty="0" err="1"/>
-              <a:t>XOR’d</a:t>
-            </a:r>
-            <a:r>
-              <a:rPr lang="en-US" dirty="0"/>
-              <a:t> with the plaintext for the current block.  However, the first block of plaintext does not have a previous block to XOR, so it is </a:t>
-            </a:r>
-            <a:r>
-              <a:rPr lang="en-US" dirty="0" err="1"/>
-              <a:t>XOR’d</a:t>
-            </a:r>
-            <a:r>
-              <a:rPr lang="en-US" dirty="0"/>
-              <a:t> with a random Initialization Vector (IV).  The IV must be sent along with the ciphertext so the decryption algorithm knows where to start.  The IV itself does not need to be encrypted.</a:t>
-            </a:r>
-          </a:p>
-          <a:p>
-            <a:endParaRPr lang="en-US" dirty="0"/>
-          </a:p>
-          <a:p>
-            <a:r>
-              <a:rPr lang="en-US" dirty="0"/>
-              <a:t>The IV must be random and cannot be reused.</a:t>
-            </a:r>
+            <a:endParaRPr lang="en-US"/>
           </a:p>
         </p:txBody>
       </p:sp>
@@ -3802,7 +3895,7 @@
             <a:spLocks noGrp="1"/>
           </p:cNvSpPr>
           <p:nvPr>
-            <p:ph type="sldNum" sz="quarter" idx="10"/>
+            <p:ph type="sldNum" sz="quarter" idx="5"/>
           </p:nvPr>
         </p:nvSpPr>
         <p:spPr/>
@@ -3812,7 +3905,7 @@
           <a:p>
             <a:fld id="{85D50D95-FF5E-46BA-A479-363D9D0AA384}" type="slidenum">
               <a:rPr lang="en-US" smtClean="0"/>
-              <a:t>10</a:t>
+              <a:t>9</a:t>
             </a:fld>
             <a:endParaRPr lang="en-US"/>
           </a:p>
@@ -3821,7 +3914,7 @@
     </p:spTree>
     <p:extLst>
       <p:ext uri="{BB962C8B-B14F-4D97-AF65-F5344CB8AC3E}">
-        <p14:creationId xmlns:p14="http://schemas.microsoft.com/office/powerpoint/2010/main" val="353367949"/>
+        <p14:creationId xmlns:p14="http://schemas.microsoft.com/office/powerpoint/2010/main" val="2642894441"/>
       </p:ext>
     </p:extLst>
   </p:cSld>
@@ -3978,7 +4071,7 @@
           <a:p>
             <a:fld id="{F18D9C4A-D73C-4CB7-B695-CD44CD489250}" type="datetimeFigureOut">
               <a:rPr lang="en-US" smtClean="0"/>
-              <a:t>2/7/2020</a:t>
+              <a:t>8/19/2020</a:t>
             </a:fld>
             <a:endParaRPr lang="en-US"/>
           </a:p>
@@ -4176,7 +4269,7 @@
           <a:p>
             <a:fld id="{F18D9C4A-D73C-4CB7-B695-CD44CD489250}" type="datetimeFigureOut">
               <a:rPr lang="en-US" smtClean="0"/>
-              <a:t>2/7/2020</a:t>
+              <a:t>8/19/2020</a:t>
             </a:fld>
             <a:endParaRPr lang="en-US"/>
           </a:p>
@@ -4384,7 +4477,7 @@
           <a:p>
             <a:fld id="{F18D9C4A-D73C-4CB7-B695-CD44CD489250}" type="datetimeFigureOut">
               <a:rPr lang="en-US" smtClean="0"/>
-              <a:t>2/7/2020</a:t>
+              <a:t>8/19/2020</a:t>
             </a:fld>
             <a:endParaRPr lang="en-US"/>
           </a:p>
@@ -4582,7 +4675,7 @@
           <a:p>
             <a:fld id="{F18D9C4A-D73C-4CB7-B695-CD44CD489250}" type="datetimeFigureOut">
               <a:rPr lang="en-US" smtClean="0"/>
-              <a:t>2/7/2020</a:t>
+              <a:t>8/19/2020</a:t>
             </a:fld>
             <a:endParaRPr lang="en-US"/>
           </a:p>
@@ -4857,7 +4950,7 @@
           <a:p>
             <a:fld id="{F18D9C4A-D73C-4CB7-B695-CD44CD489250}" type="datetimeFigureOut">
               <a:rPr lang="en-US" smtClean="0"/>
-              <a:t>2/7/2020</a:t>
+              <a:t>8/19/2020</a:t>
             </a:fld>
             <a:endParaRPr lang="en-US"/>
           </a:p>
@@ -5122,7 +5215,7 @@
           <a:p>
             <a:fld id="{F18D9C4A-D73C-4CB7-B695-CD44CD489250}" type="datetimeFigureOut">
               <a:rPr lang="en-US" smtClean="0"/>
-              <a:t>2/7/2020</a:t>
+              <a:t>8/19/2020</a:t>
             </a:fld>
             <a:endParaRPr lang="en-US"/>
           </a:p>
@@ -5534,7 +5627,7 @@
           <a:p>
             <a:fld id="{F18D9C4A-D73C-4CB7-B695-CD44CD489250}" type="datetimeFigureOut">
               <a:rPr lang="en-US" smtClean="0"/>
-              <a:t>2/7/2020</a:t>
+              <a:t>8/19/2020</a:t>
             </a:fld>
             <a:endParaRPr lang="en-US"/>
           </a:p>
@@ -5675,7 +5768,7 @@
           <a:p>
             <a:fld id="{F18D9C4A-D73C-4CB7-B695-CD44CD489250}" type="datetimeFigureOut">
               <a:rPr lang="en-US" smtClean="0"/>
-              <a:t>2/7/2020</a:t>
+              <a:t>8/19/2020</a:t>
             </a:fld>
             <a:endParaRPr lang="en-US"/>
           </a:p>
@@ -5788,7 +5881,7 @@
           <a:p>
             <a:fld id="{F18D9C4A-D73C-4CB7-B695-CD44CD489250}" type="datetimeFigureOut">
               <a:rPr lang="en-US" smtClean="0"/>
-              <a:t>2/7/2020</a:t>
+              <a:t>8/19/2020</a:t>
             </a:fld>
             <a:endParaRPr lang="en-US"/>
           </a:p>
@@ -6099,7 +6192,7 @@
           <a:p>
             <a:fld id="{F18D9C4A-D73C-4CB7-B695-CD44CD489250}" type="datetimeFigureOut">
               <a:rPr lang="en-US" smtClean="0"/>
-              <a:t>2/7/2020</a:t>
+              <a:t>8/19/2020</a:t>
             </a:fld>
             <a:endParaRPr lang="en-US"/>
           </a:p>
@@ -6387,7 +6480,7 @@
           <a:p>
             <a:fld id="{F18D9C4A-D73C-4CB7-B695-CD44CD489250}" type="datetimeFigureOut">
               <a:rPr lang="en-US" smtClean="0"/>
-              <a:t>2/7/2020</a:t>
+              <a:t>8/19/2020</a:t>
             </a:fld>
             <a:endParaRPr lang="en-US"/>
           </a:p>
@@ -6628,7 +6721,7 @@
           <a:p>
             <a:fld id="{F18D9C4A-D73C-4CB7-B695-CD44CD489250}" type="datetimeFigureOut">
               <a:rPr lang="en-US" smtClean="0"/>
-              <a:t>2/7/2020</a:t>
+              <a:t>8/19/2020</a:t>
             </a:fld>
             <a:endParaRPr lang="en-US"/>
           </a:p>
@@ -7267,7 +7360,7 @@
             <a:pPr lvl="1"/>
             <a:r>
               <a:rPr lang="en-US" dirty="0"/>
-              <a:t>Requires IV to XOR the first block</a:t>
+              <a:t>Requires picking a random IV to XOR the first block</a:t>
             </a:r>
           </a:p>
         </p:txBody>
